--- a/Week5/Hackaton/Présentation2.pptx
+++ b/Week5/Hackaton/Présentation2.pptx
@@ -8412,7 +8412,22 @@
           </a:bodyPr>
           <a:lstStyle/>
           <a:p>
-            <a:pPr marL="0" indent="0" algn="ctr">
+            <a:pPr marL="0" indent="0">
+              <a:buNone/>
+            </a:pPr>
+            <a:r>
+              <a:rPr lang="en-US" sz="1400" b="1" i="0" u="sng" strike="noStrike" dirty="0">
+                <a:solidFill>
+                  <a:srgbClr val="D5D5D5"/>
+                </a:solidFill>
+                <a:effectLst/>
+                <a:latin typeface="Roboto" panose="02000000000000000000" pitchFamily="2" charset="0"/>
+              </a:rPr>
+              <a:t>Analysis</a:t>
+            </a:r>
+          </a:p>
+          <a:p>
+            <a:pPr marL="0" indent="0">
               <a:buNone/>
             </a:pPr>
             <a:r>
@@ -8836,8 +8851,8 @@
         </p:nvSpPr>
         <p:spPr>
           <a:xfrm>
-            <a:off x="680321" y="2170028"/>
-            <a:ext cx="3656289" cy="3599316"/>
+            <a:off x="680321" y="2170027"/>
+            <a:ext cx="3656289" cy="4361401"/>
           </a:xfrm>
         </p:spPr>
         <p:txBody>
@@ -8845,6 +8860,31 @@
             <a:noAutofit/>
           </a:bodyPr>
           <a:lstStyle/>
+          <a:p>
+            <a:pPr marL="0" indent="0">
+              <a:buNone/>
+            </a:pPr>
+            <a:r>
+              <a:rPr lang="en-US" sz="1200" b="1" i="0" u="sng" strike="noStrike" dirty="0">
+                <a:solidFill>
+                  <a:srgbClr val="D5D5D5"/>
+                </a:solidFill>
+                <a:effectLst/>
+                <a:latin typeface="Roboto" panose="02000000000000000000" pitchFamily="2" charset="0"/>
+              </a:rPr>
+              <a:t>Analysis</a:t>
+            </a:r>
+            <a:r>
+              <a:rPr lang="en-US" sz="1200" b="0" i="0" u="none" strike="noStrike" dirty="0">
+                <a:solidFill>
+                  <a:srgbClr val="D5D5D5"/>
+                </a:solidFill>
+                <a:effectLst/>
+                <a:latin typeface="Roboto" panose="02000000000000000000" pitchFamily="2" charset="0"/>
+              </a:rPr>
+              <a:t>:</a:t>
+            </a:r>
+          </a:p>
           <a:p>
             <a:r>
               <a:rPr lang="en-US" sz="1200" b="0" i="0" u="none" strike="noStrike" dirty="0">
@@ -8866,7 +8906,7 @@
                 <a:effectLst/>
                 <a:latin typeface="Roboto" panose="02000000000000000000" pitchFamily="2" charset="0"/>
               </a:rPr>
-              <a:t>Observations: Bike Type Frequency: Certain bike types, like "MOUNTAIN BIKE" and "ROAD BIKE," are more frequently stolen compared to others in the top 10. </a:t>
+              <a:t>Bike Type Frequency: Certain bike types, like "MOUNTAIN BIKE" and "ROAD BIKE," are more frequently stolen compared to others in the top 10. </a:t>
             </a:r>
           </a:p>
           <a:p>
@@ -8882,6 +8922,21 @@
             </a:r>
           </a:p>
           <a:p>
+            <a:pPr marL="0" indent="0">
+              <a:buNone/>
+            </a:pPr>
+            <a:r>
+              <a:rPr lang="en-US" sz="1200" b="1" i="0" u="sng" strike="noStrike" dirty="0">
+                <a:solidFill>
+                  <a:srgbClr val="D5D5D5"/>
+                </a:solidFill>
+                <a:effectLst/>
+                <a:latin typeface="Roboto" panose="02000000000000000000" pitchFamily="2" charset="0"/>
+              </a:rPr>
+              <a:t>Recommendation: </a:t>
+            </a:r>
+          </a:p>
+          <a:p>
             <a:r>
               <a:rPr lang="en-US" sz="1200" b="0" i="0" u="none" strike="noStrike" dirty="0">
                 <a:solidFill>
@@ -8890,7 +8945,7 @@
                 <a:effectLst/>
                 <a:latin typeface="Roboto" panose="02000000000000000000" pitchFamily="2" charset="0"/>
               </a:rPr>
-              <a:t>Insights: High-Frequency Types: "MOUNTAIN BIKE" and "ROAD BIKE" are commonly stolen,  </a:t>
+              <a:t>High-Frequency Types: "MOUNTAIN BIKE" and "ROAD BIKE" are commonly stolen,  </a:t>
             </a:r>
             <a:r>
               <a:rPr lang="en-US" sz="1200" dirty="0">
@@ -8911,35 +8966,6 @@
               </a:rPr>
               <a:t>ower-priced bikes appear to be targeted more, possibly due to their higher availability or lower security measures. </a:t>
             </a:r>
-          </a:p>
-          <a:p>
-            <a:r>
-              <a:rPr lang="en-US" sz="1200" b="0" i="0" u="none" strike="noStrike" dirty="0">
-                <a:solidFill>
-                  <a:srgbClr val="D5D5D5"/>
-                </a:solidFill>
-                <a:effectLst/>
-                <a:latin typeface="Roboto" panose="02000000000000000000" pitchFamily="2" charset="0"/>
-              </a:rPr>
-              <a:t>Recommendations: Security Measures: Emphasize security measures for commonly stolen bike types to deter theft incidents. </a:t>
-            </a:r>
-          </a:p>
-          <a:p>
-            <a:r>
-              <a:rPr lang="en-US" sz="1200" b="0" i="0" u="none" strike="noStrike" dirty="0">
-                <a:solidFill>
-                  <a:srgbClr val="D5D5D5"/>
-                </a:solidFill>
-                <a:effectLst/>
-                <a:latin typeface="Roboto" panose="02000000000000000000" pitchFamily="2" charset="0"/>
-              </a:rPr>
-              <a:t>Awareness Campaigns: Educate bike owners, especially those with lower-priced bikes, about better security practices to safeguard against theft.</a:t>
-            </a:r>
-            <a:endParaRPr lang="en-US" sz="1200" dirty="0">
-              <a:solidFill>
-                <a:srgbClr val="FFFFFF"/>
-              </a:solidFill>
-            </a:endParaRPr>
           </a:p>
         </p:txBody>
       </p:sp>
@@ -10670,70 +10696,50 @@
         <p:spPr/>
         <p:txBody>
           <a:bodyPr>
-            <a:normAutofit fontScale="85000" lnSpcReduction="20000"/>
+            <a:normAutofit/>
           </a:bodyPr>
           <a:lstStyle/>
           <a:p>
-            <a:r>
-              <a:rPr lang="en-US" dirty="0"/>
+            <a:pPr marL="0" indent="0">
+              <a:buNone/>
+            </a:pPr>
+            <a:r>
+              <a:rPr lang="en-US" sz="1500" b="1" u="sng" dirty="0"/>
               <a:t>Insights</a:t>
             </a:r>
           </a:p>
           <a:p>
             <a:r>
-              <a:rPr lang="en-US" sz="2400" b="0" i="0" u="none" strike="noStrike" dirty="0">
-                <a:solidFill>
-                  <a:srgbClr val="D5D5D5"/>
-                </a:solidFill>
+              <a:rPr lang="en-US" sz="1500" b="0" i="0" u="none" strike="noStrike" dirty="0">
                 <a:effectLst/>
                 <a:latin typeface="Roboto" panose="02000000000000000000" pitchFamily="2" charset="0"/>
               </a:rPr>
-              <a:t>Insights: High-Frequency Types: "MOUNTAIN BIKE" and "ROAD BIKE" are commonly stolen, suggesting a higher demand for these types in the stolen bike market. </a:t>
-            </a:r>
-          </a:p>
-          <a:p>
-            <a:r>
-              <a:rPr lang="en-US" sz="2400" b="0" i="0" u="none" strike="noStrike" dirty="0">
-                <a:solidFill>
-                  <a:srgbClr val="D5D5D5"/>
-                </a:solidFill>
+              <a:t>Lower-priced bikes appear to be targeted more, possibly due to their higher availability or lower security measures =&gt;Emphasize security measures for commonly stolen bike types to deter theft incidents. </a:t>
+            </a:r>
+          </a:p>
+          <a:p>
+            <a:r>
+              <a:rPr lang="en-US" sz="1500" b="0" i="0" u="none" strike="noStrike" dirty="0">
                 <a:effectLst/>
                 <a:latin typeface="Roboto" panose="02000000000000000000" pitchFamily="2" charset="0"/>
               </a:rPr>
-              <a:t>Price Influence: Lower-priced bikes appear to be targeted more, possibly due to their higher availability or lower security measures. Recommendations: Security Measures: Emphasize security measures for commonly stolen bike types to deter theft incidents. Awareness Campaigns: Educate bike owners, especially those with lower-priced bikes, about better security practices to safeguard against theft.</a:t>
-            </a:r>
-          </a:p>
-          <a:p>
-            <a:r>
-              <a:rPr lang="en-US" sz="3200" dirty="0"/>
-              <a:t>The police can also have their eyes on the most stolen bicycle type, in the most popular neighborhood for theft </a:t>
-            </a:r>
-            <a:r>
-              <a:rPr lang="en-US" sz="3200" dirty="0" err="1"/>
-              <a:t>ath</a:t>
-            </a:r>
-            <a:r>
-              <a:rPr lang="en-US" sz="3200" dirty="0"/>
-              <a:t> the most popular time of the year and the day to arrest more </a:t>
-            </a:r>
-            <a:r>
-              <a:rPr lang="en-US" sz="3200" dirty="0" err="1"/>
-              <a:t>thiefs</a:t>
-            </a:r>
-            <a:r>
-              <a:rPr lang="en-US" sz="3200" dirty="0"/>
-              <a:t>.</a:t>
-            </a:r>
-          </a:p>
-          <a:p>
-            <a:endParaRPr lang="en-US" sz="3200" dirty="0">
-              <a:solidFill>
-                <a:srgbClr val="FFFFFF"/>
-              </a:solidFill>
-            </a:endParaRPr>
-          </a:p>
-          <a:p>
-            <a:endParaRPr lang="en-US" dirty="0"/>
+              <a:t>Educate bike owners, especially those with lower-priced bikes, about better security practices to safeguard against theft.</a:t>
+            </a:r>
+          </a:p>
+          <a:p>
+            <a:r>
+              <a:rPr lang="en-US" sz="1500" dirty="0"/>
+              <a:t>The police can also have their eyes on the most stolen bicycle type, in the most popular neighborhood for theft at the most popular time of the year and the day to arrest more thief.</a:t>
+            </a:r>
+          </a:p>
+          <a:p>
+            <a:r>
+              <a:rPr lang="en-US" sz="1500" dirty="0"/>
+              <a:t>Add security measures according to analysis made with the dataset. </a:t>
+            </a:r>
+          </a:p>
+          <a:p>
+            <a:endParaRPr lang="en-US" sz="1500" dirty="0"/>
           </a:p>
         </p:txBody>
       </p:sp>
